--- a/diseño de py/enmaquetado.pptx
+++ b/diseño de py/enmaquetado.pptx
@@ -9,6 +9,8 @@
     <p:sldId id="257" r:id="rId3"/>
     <p:sldId id="258" r:id="rId4"/>
     <p:sldId id="259" r:id="rId5"/>
+    <p:sldId id="260" r:id="rId6"/>
+    <p:sldId id="261" r:id="rId7"/>
   </p:sldIdLst>
   <p:sldSz cx="12192000" cy="6858000"/>
   <p:notesSz cx="6858000" cy="9144000"/>
@@ -264,7 +266,7 @@
           <a:p>
             <a:fld id="{8416DB5A-5D3A-491E-9F72-17A9FDD7C3A9}" type="datetimeFigureOut">
               <a:rPr lang="es-CO" smtClean="0"/>
-              <a:t>14/04/2023</a:t>
+              <a:t>18/04/2023</a:t>
             </a:fld>
             <a:endParaRPr lang="es-CO"/>
           </a:p>
@@ -464,7 +466,7 @@
           <a:p>
             <a:fld id="{8416DB5A-5D3A-491E-9F72-17A9FDD7C3A9}" type="datetimeFigureOut">
               <a:rPr lang="es-CO" smtClean="0"/>
-              <a:t>14/04/2023</a:t>
+              <a:t>18/04/2023</a:t>
             </a:fld>
             <a:endParaRPr lang="es-CO"/>
           </a:p>
@@ -674,7 +676,7 @@
           <a:p>
             <a:fld id="{8416DB5A-5D3A-491E-9F72-17A9FDD7C3A9}" type="datetimeFigureOut">
               <a:rPr lang="es-CO" smtClean="0"/>
-              <a:t>14/04/2023</a:t>
+              <a:t>18/04/2023</a:t>
             </a:fld>
             <a:endParaRPr lang="es-CO"/>
           </a:p>
@@ -874,7 +876,7 @@
           <a:p>
             <a:fld id="{8416DB5A-5D3A-491E-9F72-17A9FDD7C3A9}" type="datetimeFigureOut">
               <a:rPr lang="es-CO" smtClean="0"/>
-              <a:t>14/04/2023</a:t>
+              <a:t>18/04/2023</a:t>
             </a:fld>
             <a:endParaRPr lang="es-CO"/>
           </a:p>
@@ -1150,7 +1152,7 @@
           <a:p>
             <a:fld id="{8416DB5A-5D3A-491E-9F72-17A9FDD7C3A9}" type="datetimeFigureOut">
               <a:rPr lang="es-CO" smtClean="0"/>
-              <a:t>14/04/2023</a:t>
+              <a:t>18/04/2023</a:t>
             </a:fld>
             <a:endParaRPr lang="es-CO"/>
           </a:p>
@@ -1418,7 +1420,7 @@
           <a:p>
             <a:fld id="{8416DB5A-5D3A-491E-9F72-17A9FDD7C3A9}" type="datetimeFigureOut">
               <a:rPr lang="es-CO" smtClean="0"/>
-              <a:t>14/04/2023</a:t>
+              <a:t>18/04/2023</a:t>
             </a:fld>
             <a:endParaRPr lang="es-CO"/>
           </a:p>
@@ -1833,7 +1835,7 @@
           <a:p>
             <a:fld id="{8416DB5A-5D3A-491E-9F72-17A9FDD7C3A9}" type="datetimeFigureOut">
               <a:rPr lang="es-CO" smtClean="0"/>
-              <a:t>14/04/2023</a:t>
+              <a:t>18/04/2023</a:t>
             </a:fld>
             <a:endParaRPr lang="es-CO"/>
           </a:p>
@@ -1975,7 +1977,7 @@
           <a:p>
             <a:fld id="{8416DB5A-5D3A-491E-9F72-17A9FDD7C3A9}" type="datetimeFigureOut">
               <a:rPr lang="es-CO" smtClean="0"/>
-              <a:t>14/04/2023</a:t>
+              <a:t>18/04/2023</a:t>
             </a:fld>
             <a:endParaRPr lang="es-CO"/>
           </a:p>
@@ -2088,7 +2090,7 @@
           <a:p>
             <a:fld id="{8416DB5A-5D3A-491E-9F72-17A9FDD7C3A9}" type="datetimeFigureOut">
               <a:rPr lang="es-CO" smtClean="0"/>
-              <a:t>14/04/2023</a:t>
+              <a:t>18/04/2023</a:t>
             </a:fld>
             <a:endParaRPr lang="es-CO"/>
           </a:p>
@@ -2401,7 +2403,7 @@
           <a:p>
             <a:fld id="{8416DB5A-5D3A-491E-9F72-17A9FDD7C3A9}" type="datetimeFigureOut">
               <a:rPr lang="es-CO" smtClean="0"/>
-              <a:t>14/04/2023</a:t>
+              <a:t>18/04/2023</a:t>
             </a:fld>
             <a:endParaRPr lang="es-CO"/>
           </a:p>
@@ -2690,7 +2692,7 @@
           <a:p>
             <a:fld id="{8416DB5A-5D3A-491E-9F72-17A9FDD7C3A9}" type="datetimeFigureOut">
               <a:rPr lang="es-CO" smtClean="0"/>
-              <a:t>14/04/2023</a:t>
+              <a:t>18/04/2023</a:t>
             </a:fld>
             <a:endParaRPr lang="es-CO"/>
           </a:p>
@@ -2933,7 +2935,7 @@
           <a:p>
             <a:fld id="{8416DB5A-5D3A-491E-9F72-17A9FDD7C3A9}" type="datetimeFigureOut">
               <a:rPr lang="es-CO" smtClean="0"/>
-              <a:t>14/04/2023</a:t>
+              <a:t>18/04/2023</a:t>
             </a:fld>
             <a:endParaRPr lang="es-CO"/>
           </a:p>
@@ -4971,11 +4973,24 @@
             <a:pPr algn="ctr"/>
             <a:r>
               <a:rPr lang="es-MX" dirty="0">
+                <a:solidFill>
+                  <a:schemeClr val="bg1"/>
+                </a:solidFill>
                 <a:latin typeface="Balmoon" pitchFamily="2" charset="0"/>
+                <a:hlinkClick r:id="rId8" action="ppaction://hlinksldjump">
+                  <a:extLst>
+                    <a:ext uri="{A12FA001-AC4F-418D-AE19-62706E023703}">
+                      <ahyp:hlinkClr xmlns:ahyp="http://schemas.microsoft.com/office/drawing/2018/hyperlinkcolor" val="tx"/>
+                    </a:ext>
+                  </a:extLst>
+                </a:hlinkClick>
               </a:rPr>
               <a:t>Iniciar sesión </a:t>
             </a:r>
             <a:endParaRPr lang="es-CO" dirty="0">
+              <a:solidFill>
+                <a:schemeClr val="bg1"/>
+              </a:solidFill>
               <a:latin typeface="Balmoon" pitchFamily="2" charset="0"/>
             </a:endParaRPr>
           </a:p>
@@ -5017,7 +5032,7 @@
                   </a:schemeClr>
                 </a:solidFill>
                 <a:latin typeface="Balmoon" pitchFamily="2" charset="0"/>
-                <a:hlinkClick r:id="rId8" action="ppaction://hlinksldjump"/>
+                <a:hlinkClick r:id="rId9" action="ppaction://hlinksldjump"/>
               </a:rPr>
               <a:t>¿Has olvidado tu contraseña?</a:t>
             </a:r>
@@ -5108,7 +5123,7 @@
                   </a:schemeClr>
                 </a:solidFill>
                 <a:latin typeface="Balmoon"/>
-                <a:hlinkClick r:id="rId9" action="ppaction://hlinksldjump"/>
+                <a:hlinkClick r:id="rId10" action="ppaction://hlinksldjump"/>
               </a:rPr>
               <a:t>Crear una cuenta </a:t>
             </a:r>
@@ -6581,9 +6596,35 @@
             <a:pPr algn="ctr"/>
             <a:r>
               <a:rPr lang="es-MX" dirty="0">
+                <a:solidFill>
+                  <a:schemeClr val="bg1"/>
+                </a:solidFill>
                 <a:latin typeface="Balmoon" pitchFamily="2" charset="0"/>
+                <a:hlinkClick r:id="rId6" action="ppaction://hlinksldjump">
+                  <a:extLst>
+                    <a:ext uri="{A12FA001-AC4F-418D-AE19-62706E023703}">
+                      <ahyp:hlinkClr xmlns:ahyp="http://schemas.microsoft.com/office/drawing/2018/hyperlinkcolor" val="tx"/>
+                    </a:ext>
+                  </a:extLst>
+                </a:hlinkClick>
               </a:rPr>
-              <a:t>Registrarse </a:t>
+              <a:t>Registrarse</a:t>
+            </a:r>
+            <a:r>
+              <a:rPr lang="es-MX" dirty="0">
+                <a:solidFill>
+                  <a:srgbClr val="0563C1"/>
+                </a:solidFill>
+                <a:latin typeface="Balmoon" pitchFamily="2" charset="0"/>
+                <a:hlinkClick r:id="rId6" action="ppaction://hlinksldjump">
+                  <a:extLst>
+                    <a:ext uri="{A12FA001-AC4F-418D-AE19-62706E023703}">
+                      <ahyp:hlinkClr xmlns:ahyp="http://schemas.microsoft.com/office/drawing/2018/hyperlinkcolor" val="tx"/>
+                    </a:ext>
+                  </a:extLst>
+                </a:hlinkClick>
+              </a:rPr>
+              <a:t> </a:t>
             </a:r>
             <a:endParaRPr lang="es-CO" dirty="0">
               <a:latin typeface="Balmoon" pitchFamily="2" charset="0"/>
@@ -6722,6 +6763,1766 @@
     <p:extLst>
       <p:ext uri="{BB962C8B-B14F-4D97-AF65-F5344CB8AC3E}">
         <p14:creationId xmlns:p14="http://schemas.microsoft.com/office/powerpoint/2010/main" val="449313256"/>
+      </p:ext>
+    </p:extLst>
+  </p:cSld>
+  <p:clrMapOvr>
+    <a:masterClrMapping/>
+  </p:clrMapOvr>
+</p:sld>
+</file>
+
+<file path=ppt/slides/slide5.xml><?xml version="1.0" encoding="utf-8"?>
+<p:sld xmlns:a="http://schemas.openxmlformats.org/drawingml/2006/main" xmlns:r="http://schemas.openxmlformats.org/officeDocument/2006/relationships" xmlns:p="http://schemas.openxmlformats.org/presentationml/2006/main">
+  <p:cSld>
+    <p:spTree>
+      <p:nvGrpSpPr>
+        <p:cNvPr id="1" name=""/>
+        <p:cNvGrpSpPr/>
+        <p:nvPr/>
+      </p:nvGrpSpPr>
+      <p:grpSpPr>
+        <a:xfrm>
+          <a:off x="0" y="0"/>
+          <a:ext cx="0" cy="0"/>
+          <a:chOff x="0" y="0"/>
+          <a:chExt cx="0" cy="0"/>
+        </a:xfrm>
+      </p:grpSpPr>
+      <p:sp>
+        <p:nvSpPr>
+          <p:cNvPr id="5" name="Rectángulo 4">
+            <a:extLst>
+              <a:ext uri="{FF2B5EF4-FFF2-40B4-BE49-F238E27FC236}">
+                <a16:creationId xmlns:a16="http://schemas.microsoft.com/office/drawing/2014/main" id="{21E422C7-B2E5-FD38-4561-1773D2462A16}"/>
+              </a:ext>
+            </a:extLst>
+          </p:cNvPr>
+          <p:cNvSpPr/>
+          <p:nvPr/>
+        </p:nvSpPr>
+        <p:spPr>
+          <a:xfrm>
+            <a:off x="0" y="0"/>
+            <a:ext cx="1572426" cy="6858000"/>
+          </a:xfrm>
+          <a:prstGeom prst="rect">
+            <a:avLst/>
+          </a:prstGeom>
+        </p:spPr>
+        <p:style>
+          <a:lnRef idx="2">
+            <a:schemeClr val="accent1">
+              <a:shade val="50000"/>
+            </a:schemeClr>
+          </a:lnRef>
+          <a:fillRef idx="1001">
+            <a:schemeClr val="dk2"/>
+          </a:fillRef>
+          <a:effectRef idx="0">
+            <a:schemeClr val="accent1"/>
+          </a:effectRef>
+          <a:fontRef idx="minor">
+            <a:schemeClr val="lt1"/>
+          </a:fontRef>
+        </p:style>
+        <p:txBody>
+          <a:bodyPr rtlCol="0" anchor="ctr"/>
+          <a:lstStyle/>
+          <a:p>
+            <a:pPr algn="ctr"/>
+            <a:endParaRPr lang="es-CO"/>
+          </a:p>
+        </p:txBody>
+      </p:sp>
+      <p:sp>
+        <p:nvSpPr>
+          <p:cNvPr id="6" name="Rectángulo 5">
+            <a:extLst>
+              <a:ext uri="{FF2B5EF4-FFF2-40B4-BE49-F238E27FC236}">
+                <a16:creationId xmlns:a16="http://schemas.microsoft.com/office/drawing/2014/main" id="{5C0A200D-9781-A4F2-66CB-188C8C09A9DE}"/>
+              </a:ext>
+            </a:extLst>
+          </p:cNvPr>
+          <p:cNvSpPr/>
+          <p:nvPr/>
+        </p:nvSpPr>
+        <p:spPr>
+          <a:xfrm>
+            <a:off x="1572426" y="0"/>
+            <a:ext cx="10619574" cy="572568"/>
+          </a:xfrm>
+          <a:prstGeom prst="rect">
+            <a:avLst/>
+          </a:prstGeom>
+        </p:spPr>
+        <p:style>
+          <a:lnRef idx="2">
+            <a:schemeClr val="accent1">
+              <a:shade val="50000"/>
+            </a:schemeClr>
+          </a:lnRef>
+          <a:fillRef idx="1001">
+            <a:schemeClr val="lt2"/>
+          </a:fillRef>
+          <a:effectRef idx="0">
+            <a:schemeClr val="accent1"/>
+          </a:effectRef>
+          <a:fontRef idx="minor">
+            <a:schemeClr val="lt1"/>
+          </a:fontRef>
+        </p:style>
+        <p:txBody>
+          <a:bodyPr rtlCol="0" anchor="ctr"/>
+          <a:lstStyle/>
+          <a:p>
+            <a:pPr algn="ctr"/>
+            <a:endParaRPr lang="es-CO"/>
+          </a:p>
+        </p:txBody>
+      </p:sp>
+      <p:sp>
+        <p:nvSpPr>
+          <p:cNvPr id="8" name="CuadroTexto 7">
+            <a:extLst>
+              <a:ext uri="{FF2B5EF4-FFF2-40B4-BE49-F238E27FC236}">
+                <a16:creationId xmlns:a16="http://schemas.microsoft.com/office/drawing/2014/main" id="{7680B28B-EEAE-B6E9-52CB-0FED2E724C7B}"/>
+              </a:ext>
+            </a:extLst>
+          </p:cNvPr>
+          <p:cNvSpPr txBox="1"/>
+          <p:nvPr/>
+        </p:nvSpPr>
+        <p:spPr>
+          <a:xfrm>
+            <a:off x="188008" y="132395"/>
+            <a:ext cx="1384418" cy="307777"/>
+          </a:xfrm>
+          <a:prstGeom prst="rect">
+            <a:avLst/>
+          </a:prstGeom>
+          <a:noFill/>
+        </p:spPr>
+        <p:txBody>
+          <a:bodyPr wrap="square">
+            <a:spAutoFit/>
+          </a:bodyPr>
+          <a:lstStyle/>
+          <a:p>
+            <a:r>
+              <a:rPr lang="es-CO" sz="1400" b="1" i="0" dirty="0">
+                <a:solidFill>
+                  <a:schemeClr val="bg1"/>
+                </a:solidFill>
+                <a:effectLst/>
+                <a:latin typeface="Balmoon" pitchFamily="2" charset="0"/>
+              </a:rPr>
+              <a:t>CurriculumPro</a:t>
+            </a:r>
+            <a:endParaRPr lang="es-CO" sz="1400" b="1" dirty="0">
+              <a:solidFill>
+                <a:schemeClr val="bg1"/>
+              </a:solidFill>
+              <a:latin typeface="Balmoon" pitchFamily="2" charset="0"/>
+            </a:endParaRPr>
+          </a:p>
+        </p:txBody>
+      </p:sp>
+      <p:sp>
+        <p:nvSpPr>
+          <p:cNvPr id="9" name="CuadroTexto 8">
+            <a:extLst>
+              <a:ext uri="{FF2B5EF4-FFF2-40B4-BE49-F238E27FC236}">
+                <a16:creationId xmlns:a16="http://schemas.microsoft.com/office/drawing/2014/main" id="{9C17FCC6-09F1-7B9A-311C-F62CC94DF68B}"/>
+              </a:ext>
+            </a:extLst>
+          </p:cNvPr>
+          <p:cNvSpPr txBox="1"/>
+          <p:nvPr/>
+        </p:nvSpPr>
+        <p:spPr>
+          <a:xfrm>
+            <a:off x="1709159" y="105826"/>
+            <a:ext cx="1247685" cy="338554"/>
+          </a:xfrm>
+          <a:prstGeom prst="rect">
+            <a:avLst/>
+          </a:prstGeom>
+          <a:noFill/>
+        </p:spPr>
+        <p:txBody>
+          <a:bodyPr wrap="square" rtlCol="0">
+            <a:spAutoFit/>
+          </a:bodyPr>
+          <a:lstStyle/>
+          <a:p>
+            <a:r>
+              <a:rPr lang="es-MX" sz="1600" b="1" dirty="0">
+                <a:latin typeface="Balmoon" pitchFamily="2" charset="0"/>
+              </a:rPr>
+              <a:t>PANEL</a:t>
+            </a:r>
+            <a:endParaRPr lang="es-CO" b="1" dirty="0">
+              <a:latin typeface="Balmoon" pitchFamily="2" charset="0"/>
+            </a:endParaRPr>
+          </a:p>
+        </p:txBody>
+      </p:sp>
+      <p:pic>
+        <p:nvPicPr>
+          <p:cNvPr id="13" name="Imagen 12">
+            <a:hlinkClick r:id="rId2" action="ppaction://hlinksldjump"/>
+            <a:extLst>
+              <a:ext uri="{FF2B5EF4-FFF2-40B4-BE49-F238E27FC236}">
+                <a16:creationId xmlns:a16="http://schemas.microsoft.com/office/drawing/2014/main" id="{953E3CCF-4A76-7170-71CF-1511702C3733}"/>
+              </a:ext>
+            </a:extLst>
+          </p:cNvPr>
+          <p:cNvPicPr>
+            <a:picLocks noChangeAspect="1"/>
+          </p:cNvPicPr>
+          <p:nvPr/>
+        </p:nvPicPr>
+        <p:blipFill>
+          <a:blip r:embed="rId3">
+            <a:extLst>
+              <a:ext uri="{28A0092B-C50C-407E-A947-70E740481C1C}">
+                <a14:useLocalDpi xmlns:a14="http://schemas.microsoft.com/office/drawing/2010/main" val="0"/>
+              </a:ext>
+            </a:extLst>
+          </a:blip>
+          <a:stretch>
+            <a:fillRect/>
+          </a:stretch>
+        </p:blipFill>
+        <p:spPr>
+          <a:xfrm flipH="1">
+            <a:off x="11476595" y="113096"/>
+            <a:ext cx="346373" cy="346373"/>
+          </a:xfrm>
+          <a:prstGeom prst="rect">
+            <a:avLst/>
+          </a:prstGeom>
+        </p:spPr>
+      </p:pic>
+      <p:sp>
+        <p:nvSpPr>
+          <p:cNvPr id="14" name="CuadroTexto 13">
+            <a:extLst>
+              <a:ext uri="{FF2B5EF4-FFF2-40B4-BE49-F238E27FC236}">
+                <a16:creationId xmlns:a16="http://schemas.microsoft.com/office/drawing/2014/main" id="{9E8A275B-D6A6-A41B-4E05-7513832C4694}"/>
+              </a:ext>
+            </a:extLst>
+          </p:cNvPr>
+          <p:cNvSpPr txBox="1"/>
+          <p:nvPr/>
+        </p:nvSpPr>
+        <p:spPr>
+          <a:xfrm>
+            <a:off x="465746" y="769121"/>
+            <a:ext cx="905854" cy="861774"/>
+          </a:xfrm>
+          <a:prstGeom prst="rect">
+            <a:avLst/>
+          </a:prstGeom>
+          <a:noFill/>
+        </p:spPr>
+        <p:txBody>
+          <a:bodyPr wrap="square" rtlCol="0">
+            <a:spAutoFit/>
+          </a:bodyPr>
+          <a:lstStyle/>
+          <a:p>
+            <a:r>
+              <a:rPr lang="es-MX" sz="1600" dirty="0">
+                <a:solidFill>
+                  <a:schemeClr val="bg1"/>
+                </a:solidFill>
+                <a:latin typeface="Balmoon" pitchFamily="2" charset="0"/>
+                <a:hlinkClick r:id="rId4" action="ppaction://hlinksldjump">
+                  <a:extLst>
+                    <a:ext uri="{A12FA001-AC4F-418D-AE19-62706E023703}">
+                      <ahyp:hlinkClr xmlns:ahyp="http://schemas.microsoft.com/office/drawing/2018/hyperlinkcolor" val="tx"/>
+                    </a:ext>
+                  </a:extLst>
+                </a:hlinkClick>
+              </a:rPr>
+              <a:t>Panel</a:t>
+            </a:r>
+            <a:r>
+              <a:rPr lang="es-MX" sz="1600" dirty="0">
+                <a:solidFill>
+                  <a:srgbClr val="00B0F0"/>
+                </a:solidFill>
+                <a:latin typeface="Balmoon" pitchFamily="2" charset="0"/>
+              </a:rPr>
+              <a:t> </a:t>
+            </a:r>
+          </a:p>
+          <a:p>
+            <a:endParaRPr lang="es-MX" sz="1600" dirty="0">
+              <a:solidFill>
+                <a:schemeClr val="bg1"/>
+              </a:solidFill>
+              <a:latin typeface="Balmoon" pitchFamily="2" charset="0"/>
+            </a:endParaRPr>
+          </a:p>
+          <a:p>
+            <a:r>
+              <a:rPr lang="es-CO" sz="1600" dirty="0">
+                <a:solidFill>
+                  <a:schemeClr val="bg1"/>
+                </a:solidFill>
+                <a:latin typeface="Balmoon" pitchFamily="2" charset="0"/>
+                <a:hlinkClick r:id="rId2" action="ppaction://hlinksldjump">
+                  <a:extLst>
+                    <a:ext uri="{A12FA001-AC4F-418D-AE19-62706E023703}">
+                      <ahyp:hlinkClr xmlns:ahyp="http://schemas.microsoft.com/office/drawing/2018/hyperlinkcolor" val="tx"/>
+                    </a:ext>
+                  </a:extLst>
+                </a:hlinkClick>
+              </a:rPr>
+              <a:t>cuenta</a:t>
+            </a:r>
+            <a:endParaRPr lang="es-MX" sz="1600" dirty="0">
+              <a:solidFill>
+                <a:schemeClr val="bg1"/>
+              </a:solidFill>
+              <a:latin typeface="Balmoon" pitchFamily="2" charset="0"/>
+            </a:endParaRPr>
+          </a:p>
+        </p:txBody>
+      </p:sp>
+      <p:pic>
+        <p:nvPicPr>
+          <p:cNvPr id="16" name="Imagen 15">
+            <a:extLst>
+              <a:ext uri="{FF2B5EF4-FFF2-40B4-BE49-F238E27FC236}">
+                <a16:creationId xmlns:a16="http://schemas.microsoft.com/office/drawing/2014/main" id="{882F8858-A37B-D315-16F6-0F3BABDDC1C8}"/>
+              </a:ext>
+            </a:extLst>
+          </p:cNvPr>
+          <p:cNvPicPr>
+            <a:picLocks noChangeAspect="1"/>
+          </p:cNvPicPr>
+          <p:nvPr/>
+        </p:nvPicPr>
+        <p:blipFill>
+          <a:blip r:embed="rId5">
+            <a:extLst>
+              <a:ext uri="{28A0092B-C50C-407E-A947-70E740481C1C}">
+                <a14:useLocalDpi xmlns:a14="http://schemas.microsoft.com/office/drawing/2010/main" val="0"/>
+              </a:ext>
+            </a:extLst>
+          </a:blip>
+          <a:stretch>
+            <a:fillRect/>
+          </a:stretch>
+        </p:blipFill>
+        <p:spPr>
+          <a:xfrm>
+            <a:off x="5506583" y="1458044"/>
+            <a:ext cx="2176365" cy="2176365"/>
+          </a:xfrm>
+          <a:prstGeom prst="rect">
+            <a:avLst/>
+          </a:prstGeom>
+        </p:spPr>
+      </p:pic>
+      <p:sp>
+        <p:nvSpPr>
+          <p:cNvPr id="17" name="CuadroTexto 16">
+            <a:extLst>
+              <a:ext uri="{FF2B5EF4-FFF2-40B4-BE49-F238E27FC236}">
+                <a16:creationId xmlns:a16="http://schemas.microsoft.com/office/drawing/2014/main" id="{5875EE4F-814A-B832-5EF3-9CBD848C1AB7}"/>
+              </a:ext>
+            </a:extLst>
+          </p:cNvPr>
+          <p:cNvSpPr txBox="1"/>
+          <p:nvPr/>
+        </p:nvSpPr>
+        <p:spPr>
+          <a:xfrm>
+            <a:off x="5019261" y="3866322"/>
+            <a:ext cx="4979504" cy="369332"/>
+          </a:xfrm>
+          <a:prstGeom prst="rect">
+            <a:avLst/>
+          </a:prstGeom>
+          <a:noFill/>
+        </p:spPr>
+        <p:txBody>
+          <a:bodyPr wrap="square" rtlCol="0">
+            <a:spAutoFit/>
+          </a:bodyPr>
+          <a:lstStyle/>
+          <a:p>
+            <a:r>
+              <a:rPr lang="es-MX" dirty="0"/>
+              <a:t>Todavía no tiene un curriculum</a:t>
+            </a:r>
+            <a:endParaRPr lang="es-CO" dirty="0"/>
+          </a:p>
+        </p:txBody>
+      </p:sp>
+      <p:sp>
+        <p:nvSpPr>
+          <p:cNvPr id="18" name="Rectángulo 17">
+            <a:extLst>
+              <a:ext uri="{FF2B5EF4-FFF2-40B4-BE49-F238E27FC236}">
+                <a16:creationId xmlns:a16="http://schemas.microsoft.com/office/drawing/2014/main" id="{D8186FF1-1E00-3BAC-9950-C93D1A82FC2D}"/>
+              </a:ext>
+            </a:extLst>
+          </p:cNvPr>
+          <p:cNvSpPr/>
+          <p:nvPr/>
+        </p:nvSpPr>
+        <p:spPr>
+          <a:xfrm>
+            <a:off x="5529774" y="4929809"/>
+            <a:ext cx="2474539" cy="369332"/>
+          </a:xfrm>
+          <a:prstGeom prst="rect">
+            <a:avLst/>
+          </a:prstGeom>
+          <a:solidFill>
+            <a:schemeClr val="tx2">
+              <a:lumMod val="60000"/>
+              <a:lumOff val="40000"/>
+            </a:schemeClr>
+          </a:solidFill>
+        </p:spPr>
+        <p:style>
+          <a:lnRef idx="2">
+            <a:schemeClr val="accent1">
+              <a:shade val="50000"/>
+            </a:schemeClr>
+          </a:lnRef>
+          <a:fillRef idx="1">
+            <a:schemeClr val="accent1"/>
+          </a:fillRef>
+          <a:effectRef idx="0">
+            <a:schemeClr val="accent1"/>
+          </a:effectRef>
+          <a:fontRef idx="minor">
+            <a:schemeClr val="lt1"/>
+          </a:fontRef>
+        </p:style>
+        <p:txBody>
+          <a:bodyPr rtlCol="0" anchor="ctr"/>
+          <a:lstStyle/>
+          <a:p>
+            <a:pPr algn="ctr"/>
+            <a:r>
+              <a:rPr lang="es-MX" dirty="0">
+                <a:solidFill>
+                  <a:schemeClr val="bg1"/>
+                </a:solidFill>
+                <a:latin typeface="Balmoon" pitchFamily="2" charset="0"/>
+              </a:rPr>
+              <a:t>+Nuevo</a:t>
+            </a:r>
+            <a:r>
+              <a:rPr lang="es-MX" dirty="0">
+                <a:solidFill>
+                  <a:schemeClr val="tx1"/>
+                </a:solidFill>
+                <a:latin typeface="Balmoon" pitchFamily="2" charset="0"/>
+              </a:rPr>
+              <a:t>  </a:t>
+            </a:r>
+            <a:r>
+              <a:rPr lang="es-MX" dirty="0">
+                <a:solidFill>
+                  <a:schemeClr val="bg1"/>
+                </a:solidFill>
+                <a:latin typeface="Balmoon" pitchFamily="2" charset="0"/>
+              </a:rPr>
+              <a:t>CV</a:t>
+            </a:r>
+            <a:endParaRPr lang="es-CO" dirty="0">
+              <a:solidFill>
+                <a:schemeClr val="bg1"/>
+              </a:solidFill>
+              <a:latin typeface="Balmoon" pitchFamily="2" charset="0"/>
+            </a:endParaRPr>
+          </a:p>
+        </p:txBody>
+      </p:sp>
+    </p:spTree>
+    <p:extLst>
+      <p:ext uri="{BB962C8B-B14F-4D97-AF65-F5344CB8AC3E}">
+        <p14:creationId xmlns:p14="http://schemas.microsoft.com/office/powerpoint/2010/main" val="3082132111"/>
+      </p:ext>
+    </p:extLst>
+  </p:cSld>
+  <p:clrMapOvr>
+    <a:masterClrMapping/>
+  </p:clrMapOvr>
+</p:sld>
+</file>
+
+<file path=ppt/slides/slide6.xml><?xml version="1.0" encoding="utf-8"?>
+<p:sld xmlns:a="http://schemas.openxmlformats.org/drawingml/2006/main" xmlns:r="http://schemas.openxmlformats.org/officeDocument/2006/relationships" xmlns:p="http://schemas.openxmlformats.org/presentationml/2006/main">
+  <p:cSld>
+    <p:spTree>
+      <p:nvGrpSpPr>
+        <p:cNvPr id="1" name=""/>
+        <p:cNvGrpSpPr/>
+        <p:nvPr/>
+      </p:nvGrpSpPr>
+      <p:grpSpPr>
+        <a:xfrm>
+          <a:off x="0" y="0"/>
+          <a:ext cx="0" cy="0"/>
+          <a:chOff x="0" y="0"/>
+          <a:chExt cx="0" cy="0"/>
+        </a:xfrm>
+      </p:grpSpPr>
+      <p:sp>
+        <p:nvSpPr>
+          <p:cNvPr id="3" name="Rectángulo 2">
+            <a:extLst>
+              <a:ext uri="{FF2B5EF4-FFF2-40B4-BE49-F238E27FC236}">
+                <a16:creationId xmlns:a16="http://schemas.microsoft.com/office/drawing/2014/main" id="{BAFAC482-4F45-5378-101E-098AB4708CE5}"/>
+              </a:ext>
+            </a:extLst>
+          </p:cNvPr>
+          <p:cNvSpPr/>
+          <p:nvPr/>
+        </p:nvSpPr>
+        <p:spPr>
+          <a:xfrm>
+            <a:off x="1837346" y="2016807"/>
+            <a:ext cx="9896030" cy="1247686"/>
+          </a:xfrm>
+          <a:prstGeom prst="rect">
+            <a:avLst/>
+          </a:prstGeom>
+          <a:solidFill>
+            <a:schemeClr val="bg1">
+              <a:lumMod val="95000"/>
+            </a:schemeClr>
+          </a:solidFill>
+          <a:ln>
+            <a:noFill/>
+          </a:ln>
+        </p:spPr>
+        <p:style>
+          <a:lnRef idx="2">
+            <a:schemeClr val="accent1">
+              <a:shade val="50000"/>
+            </a:schemeClr>
+          </a:lnRef>
+          <a:fillRef idx="1002">
+            <a:schemeClr val="lt2"/>
+          </a:fillRef>
+          <a:effectRef idx="0">
+            <a:schemeClr val="accent1"/>
+          </a:effectRef>
+          <a:fontRef idx="minor">
+            <a:schemeClr val="lt1"/>
+          </a:fontRef>
+        </p:style>
+        <p:txBody>
+          <a:bodyPr rtlCol="0" anchor="ctr"/>
+          <a:lstStyle/>
+          <a:p>
+            <a:pPr algn="ctr"/>
+            <a:endParaRPr lang="es-CO"/>
+          </a:p>
+        </p:txBody>
+      </p:sp>
+      <p:sp>
+        <p:nvSpPr>
+          <p:cNvPr id="2" name="Rectángulo 1">
+            <a:extLst>
+              <a:ext uri="{FF2B5EF4-FFF2-40B4-BE49-F238E27FC236}">
+                <a16:creationId xmlns:a16="http://schemas.microsoft.com/office/drawing/2014/main" id="{4F4C79DF-ADDE-0941-5B85-834EC45C1F92}"/>
+              </a:ext>
+            </a:extLst>
+          </p:cNvPr>
+          <p:cNvSpPr/>
+          <p:nvPr/>
+        </p:nvSpPr>
+        <p:spPr>
+          <a:xfrm>
+            <a:off x="1837346" y="769121"/>
+            <a:ext cx="9896030" cy="1247686"/>
+          </a:xfrm>
+          <a:prstGeom prst="rect">
+            <a:avLst/>
+          </a:prstGeom>
+          <a:solidFill>
+            <a:schemeClr val="bg1">
+              <a:lumMod val="75000"/>
+            </a:schemeClr>
+          </a:solidFill>
+          <a:ln>
+            <a:solidFill>
+              <a:schemeClr val="bg1"/>
+            </a:solidFill>
+          </a:ln>
+        </p:spPr>
+        <p:style>
+          <a:lnRef idx="2">
+            <a:schemeClr val="accent1">
+              <a:shade val="50000"/>
+            </a:schemeClr>
+          </a:lnRef>
+          <a:fillRef idx="1002">
+            <a:schemeClr val="lt2"/>
+          </a:fillRef>
+          <a:effectRef idx="0">
+            <a:schemeClr val="accent1"/>
+          </a:effectRef>
+          <a:fontRef idx="minor">
+            <a:schemeClr val="lt1"/>
+          </a:fontRef>
+        </p:style>
+        <p:txBody>
+          <a:bodyPr rtlCol="0" anchor="ctr"/>
+          <a:lstStyle/>
+          <a:p>
+            <a:pPr algn="ctr"/>
+            <a:endParaRPr lang="es-CO"/>
+          </a:p>
+        </p:txBody>
+      </p:sp>
+      <p:sp>
+        <p:nvSpPr>
+          <p:cNvPr id="5" name="Rectángulo 4">
+            <a:extLst>
+              <a:ext uri="{FF2B5EF4-FFF2-40B4-BE49-F238E27FC236}">
+                <a16:creationId xmlns:a16="http://schemas.microsoft.com/office/drawing/2014/main" id="{21E422C7-B2E5-FD38-4561-1773D2462A16}"/>
+              </a:ext>
+            </a:extLst>
+          </p:cNvPr>
+          <p:cNvSpPr/>
+          <p:nvPr/>
+        </p:nvSpPr>
+        <p:spPr>
+          <a:xfrm>
+            <a:off x="0" y="0"/>
+            <a:ext cx="1572426" cy="6858000"/>
+          </a:xfrm>
+          <a:prstGeom prst="rect">
+            <a:avLst/>
+          </a:prstGeom>
+        </p:spPr>
+        <p:style>
+          <a:lnRef idx="2">
+            <a:schemeClr val="accent1">
+              <a:shade val="50000"/>
+            </a:schemeClr>
+          </a:lnRef>
+          <a:fillRef idx="1001">
+            <a:schemeClr val="dk2"/>
+          </a:fillRef>
+          <a:effectRef idx="0">
+            <a:schemeClr val="accent1"/>
+          </a:effectRef>
+          <a:fontRef idx="minor">
+            <a:schemeClr val="lt1"/>
+          </a:fontRef>
+        </p:style>
+        <p:txBody>
+          <a:bodyPr rtlCol="0" anchor="ctr"/>
+          <a:lstStyle/>
+          <a:p>
+            <a:pPr algn="ctr"/>
+            <a:endParaRPr lang="es-CO"/>
+          </a:p>
+        </p:txBody>
+      </p:sp>
+      <p:sp>
+        <p:nvSpPr>
+          <p:cNvPr id="6" name="Rectángulo 5">
+            <a:extLst>
+              <a:ext uri="{FF2B5EF4-FFF2-40B4-BE49-F238E27FC236}">
+                <a16:creationId xmlns:a16="http://schemas.microsoft.com/office/drawing/2014/main" id="{5C0A200D-9781-A4F2-66CB-188C8C09A9DE}"/>
+              </a:ext>
+            </a:extLst>
+          </p:cNvPr>
+          <p:cNvSpPr/>
+          <p:nvPr/>
+        </p:nvSpPr>
+        <p:spPr>
+          <a:xfrm>
+            <a:off x="1572426" y="0"/>
+            <a:ext cx="10619574" cy="572568"/>
+          </a:xfrm>
+          <a:prstGeom prst="rect">
+            <a:avLst/>
+          </a:prstGeom>
+        </p:spPr>
+        <p:style>
+          <a:lnRef idx="2">
+            <a:schemeClr val="accent1">
+              <a:shade val="50000"/>
+            </a:schemeClr>
+          </a:lnRef>
+          <a:fillRef idx="1001">
+            <a:schemeClr val="lt2"/>
+          </a:fillRef>
+          <a:effectRef idx="0">
+            <a:schemeClr val="accent1"/>
+          </a:effectRef>
+          <a:fontRef idx="minor">
+            <a:schemeClr val="lt1"/>
+          </a:fontRef>
+        </p:style>
+        <p:txBody>
+          <a:bodyPr rtlCol="0" anchor="ctr"/>
+          <a:lstStyle/>
+          <a:p>
+            <a:pPr algn="ctr"/>
+            <a:endParaRPr lang="es-CO"/>
+          </a:p>
+        </p:txBody>
+      </p:sp>
+      <p:sp>
+        <p:nvSpPr>
+          <p:cNvPr id="8" name="CuadroTexto 7">
+            <a:extLst>
+              <a:ext uri="{FF2B5EF4-FFF2-40B4-BE49-F238E27FC236}">
+                <a16:creationId xmlns:a16="http://schemas.microsoft.com/office/drawing/2014/main" id="{7680B28B-EEAE-B6E9-52CB-0FED2E724C7B}"/>
+              </a:ext>
+            </a:extLst>
+          </p:cNvPr>
+          <p:cNvSpPr txBox="1"/>
+          <p:nvPr/>
+        </p:nvSpPr>
+        <p:spPr>
+          <a:xfrm>
+            <a:off x="188008" y="132395"/>
+            <a:ext cx="1384418" cy="307777"/>
+          </a:xfrm>
+          <a:prstGeom prst="rect">
+            <a:avLst/>
+          </a:prstGeom>
+          <a:noFill/>
+        </p:spPr>
+        <p:txBody>
+          <a:bodyPr wrap="square">
+            <a:spAutoFit/>
+          </a:bodyPr>
+          <a:lstStyle/>
+          <a:p>
+            <a:r>
+              <a:rPr lang="es-CO" sz="1400" b="1" i="0" dirty="0">
+                <a:solidFill>
+                  <a:schemeClr val="bg1"/>
+                </a:solidFill>
+                <a:effectLst/>
+                <a:latin typeface="Balmoon" pitchFamily="2" charset="0"/>
+              </a:rPr>
+              <a:t>CurriculumPro</a:t>
+            </a:r>
+            <a:endParaRPr lang="es-CO" sz="1400" b="1" dirty="0">
+              <a:solidFill>
+                <a:schemeClr val="bg1"/>
+              </a:solidFill>
+              <a:latin typeface="Balmoon" pitchFamily="2" charset="0"/>
+            </a:endParaRPr>
+          </a:p>
+        </p:txBody>
+      </p:sp>
+      <p:sp>
+        <p:nvSpPr>
+          <p:cNvPr id="9" name="CuadroTexto 8">
+            <a:extLst>
+              <a:ext uri="{FF2B5EF4-FFF2-40B4-BE49-F238E27FC236}">
+                <a16:creationId xmlns:a16="http://schemas.microsoft.com/office/drawing/2014/main" id="{9C17FCC6-09F1-7B9A-311C-F62CC94DF68B}"/>
+              </a:ext>
+            </a:extLst>
+          </p:cNvPr>
+          <p:cNvSpPr txBox="1"/>
+          <p:nvPr/>
+        </p:nvSpPr>
+        <p:spPr>
+          <a:xfrm>
+            <a:off x="1709159" y="105826"/>
+            <a:ext cx="1247685" cy="338554"/>
+          </a:xfrm>
+          <a:prstGeom prst="rect">
+            <a:avLst/>
+          </a:prstGeom>
+          <a:noFill/>
+        </p:spPr>
+        <p:txBody>
+          <a:bodyPr wrap="square" rtlCol="0">
+            <a:spAutoFit/>
+          </a:bodyPr>
+          <a:lstStyle/>
+          <a:p>
+            <a:r>
+              <a:rPr lang="es-MX" sz="1600" b="1" dirty="0">
+                <a:latin typeface="Balmoon" pitchFamily="2" charset="0"/>
+              </a:rPr>
+              <a:t>Cuenta</a:t>
+            </a:r>
+            <a:endParaRPr lang="es-CO" b="1" dirty="0">
+              <a:latin typeface="Balmoon" pitchFamily="2" charset="0"/>
+            </a:endParaRPr>
+          </a:p>
+        </p:txBody>
+      </p:sp>
+      <p:pic>
+        <p:nvPicPr>
+          <p:cNvPr id="13" name="Imagen 12">
+            <a:hlinkClick r:id="rId2" action="ppaction://hlinksldjump"/>
+            <a:extLst>
+              <a:ext uri="{FF2B5EF4-FFF2-40B4-BE49-F238E27FC236}">
+                <a16:creationId xmlns:a16="http://schemas.microsoft.com/office/drawing/2014/main" id="{953E3CCF-4A76-7170-71CF-1511702C3733}"/>
+              </a:ext>
+            </a:extLst>
+          </p:cNvPr>
+          <p:cNvPicPr>
+            <a:picLocks noChangeAspect="1"/>
+          </p:cNvPicPr>
+          <p:nvPr/>
+        </p:nvPicPr>
+        <p:blipFill>
+          <a:blip r:embed="rId3">
+            <a:extLst>
+              <a:ext uri="{28A0092B-C50C-407E-A947-70E740481C1C}">
+                <a14:useLocalDpi xmlns:a14="http://schemas.microsoft.com/office/drawing/2010/main" val="0"/>
+              </a:ext>
+            </a:extLst>
+          </a:blip>
+          <a:stretch>
+            <a:fillRect/>
+          </a:stretch>
+        </p:blipFill>
+        <p:spPr>
+          <a:xfrm flipH="1">
+            <a:off x="11476595" y="113096"/>
+            <a:ext cx="346373" cy="346373"/>
+          </a:xfrm>
+          <a:prstGeom prst="rect">
+            <a:avLst/>
+          </a:prstGeom>
+        </p:spPr>
+      </p:pic>
+      <p:sp>
+        <p:nvSpPr>
+          <p:cNvPr id="7" name="Rectángulo 6">
+            <a:extLst>
+              <a:ext uri="{FF2B5EF4-FFF2-40B4-BE49-F238E27FC236}">
+                <a16:creationId xmlns:a16="http://schemas.microsoft.com/office/drawing/2014/main" id="{D06D6A3E-ECD5-DC83-F72C-3FA6F28F4F23}"/>
+              </a:ext>
+            </a:extLst>
+          </p:cNvPr>
+          <p:cNvSpPr/>
+          <p:nvPr/>
+        </p:nvSpPr>
+        <p:spPr>
+          <a:xfrm>
+            <a:off x="1837346" y="769121"/>
+            <a:ext cx="9896030" cy="2495372"/>
+          </a:xfrm>
+          <a:prstGeom prst="rect">
+            <a:avLst/>
+          </a:prstGeom>
+          <a:noFill/>
+        </p:spPr>
+        <p:style>
+          <a:lnRef idx="2">
+            <a:schemeClr val="accent1">
+              <a:shade val="50000"/>
+            </a:schemeClr>
+          </a:lnRef>
+          <a:fillRef idx="1">
+            <a:schemeClr val="accent1"/>
+          </a:fillRef>
+          <a:effectRef idx="0">
+            <a:schemeClr val="accent1"/>
+          </a:effectRef>
+          <a:fontRef idx="minor">
+            <a:schemeClr val="lt1"/>
+          </a:fontRef>
+        </p:style>
+        <p:txBody>
+          <a:bodyPr rtlCol="0" anchor="ctr"/>
+          <a:lstStyle/>
+          <a:p>
+            <a:pPr algn="ctr"/>
+            <a:endParaRPr lang="es-CO"/>
+          </a:p>
+        </p:txBody>
+      </p:sp>
+      <p:sp>
+        <p:nvSpPr>
+          <p:cNvPr id="4" name="Rectángulo 3">
+            <a:extLst>
+              <a:ext uri="{FF2B5EF4-FFF2-40B4-BE49-F238E27FC236}">
+                <a16:creationId xmlns:a16="http://schemas.microsoft.com/office/drawing/2014/main" id="{69BA4B32-AA4E-043B-65FF-0137EAF1CD22}"/>
+              </a:ext>
+            </a:extLst>
+          </p:cNvPr>
+          <p:cNvSpPr/>
+          <p:nvPr/>
+        </p:nvSpPr>
+        <p:spPr>
+          <a:xfrm>
+            <a:off x="1837346" y="769121"/>
+            <a:ext cx="9896030" cy="2495372"/>
+          </a:xfrm>
+          <a:prstGeom prst="rect">
+            <a:avLst/>
+          </a:prstGeom>
+          <a:noFill/>
+          <a:ln>
+            <a:noFill/>
+          </a:ln>
+        </p:spPr>
+        <p:style>
+          <a:lnRef idx="2">
+            <a:schemeClr val="accent1">
+              <a:shade val="50000"/>
+            </a:schemeClr>
+          </a:lnRef>
+          <a:fillRef idx="1">
+            <a:schemeClr val="accent1"/>
+          </a:fillRef>
+          <a:effectRef idx="0">
+            <a:schemeClr val="accent1"/>
+          </a:effectRef>
+          <a:fontRef idx="minor">
+            <a:schemeClr val="lt1"/>
+          </a:fontRef>
+        </p:style>
+        <p:txBody>
+          <a:bodyPr rtlCol="0" anchor="ctr"/>
+          <a:lstStyle/>
+          <a:p>
+            <a:pPr algn="ctr"/>
+            <a:endParaRPr lang="es-CO"/>
+          </a:p>
+        </p:txBody>
+      </p:sp>
+      <p:sp>
+        <p:nvSpPr>
+          <p:cNvPr id="10" name="CuadroTexto 9">
+            <a:extLst>
+              <a:ext uri="{FF2B5EF4-FFF2-40B4-BE49-F238E27FC236}">
+                <a16:creationId xmlns:a16="http://schemas.microsoft.com/office/drawing/2014/main" id="{D2351A1C-77B9-C84E-C296-AA8CD1080992}"/>
+              </a:ext>
+            </a:extLst>
+          </p:cNvPr>
+          <p:cNvSpPr txBox="1"/>
+          <p:nvPr/>
+        </p:nvSpPr>
+        <p:spPr>
+          <a:xfrm>
+            <a:off x="2123629" y="2751747"/>
+            <a:ext cx="1666430" cy="338554"/>
+          </a:xfrm>
+          <a:prstGeom prst="rect">
+            <a:avLst/>
+          </a:prstGeom>
+          <a:noFill/>
+        </p:spPr>
+        <p:txBody>
+          <a:bodyPr wrap="square" rtlCol="0">
+            <a:spAutoFit/>
+          </a:bodyPr>
+          <a:lstStyle/>
+          <a:p>
+            <a:r>
+              <a:rPr lang="es-MX" sz="1600" dirty="0">
+                <a:latin typeface="Balmoon" pitchFamily="2" charset="0"/>
+              </a:rPr>
+              <a:t>Su nombre</a:t>
+            </a:r>
+            <a:endParaRPr lang="es-CO" sz="1600" dirty="0">
+              <a:latin typeface="Balmoon" pitchFamily="2" charset="0"/>
+            </a:endParaRPr>
+          </a:p>
+        </p:txBody>
+      </p:sp>
+      <p:sp>
+        <p:nvSpPr>
+          <p:cNvPr id="11" name="Elipse 10">
+            <a:extLst>
+              <a:ext uri="{FF2B5EF4-FFF2-40B4-BE49-F238E27FC236}">
+                <a16:creationId xmlns:a16="http://schemas.microsoft.com/office/drawing/2014/main" id="{C9035217-21D3-61F4-8262-A5A803D4DFA1}"/>
+              </a:ext>
+            </a:extLst>
+          </p:cNvPr>
+          <p:cNvSpPr/>
+          <p:nvPr/>
+        </p:nvSpPr>
+        <p:spPr>
+          <a:xfrm>
+            <a:off x="2221907" y="1490267"/>
+            <a:ext cx="1085316" cy="1053079"/>
+          </a:xfrm>
+          <a:prstGeom prst="ellipse">
+            <a:avLst/>
+          </a:prstGeom>
+          <a:solidFill>
+            <a:schemeClr val="bg1"/>
+          </a:solidFill>
+          <a:ln>
+            <a:solidFill>
+              <a:schemeClr val="tx1">
+                <a:lumMod val="50000"/>
+                <a:lumOff val="50000"/>
+              </a:schemeClr>
+            </a:solidFill>
+          </a:ln>
+          <a:effectLst>
+            <a:outerShdw blurRad="50800" dist="38100" dir="16200000" rotWithShape="0">
+              <a:prstClr val="black">
+                <a:alpha val="40000"/>
+              </a:prstClr>
+            </a:outerShdw>
+          </a:effectLst>
+        </p:spPr>
+        <p:style>
+          <a:lnRef idx="2">
+            <a:schemeClr val="accent1">
+              <a:shade val="50000"/>
+            </a:schemeClr>
+          </a:lnRef>
+          <a:fillRef idx="1">
+            <a:schemeClr val="accent1"/>
+          </a:fillRef>
+          <a:effectRef idx="0">
+            <a:schemeClr val="accent1"/>
+          </a:effectRef>
+          <a:fontRef idx="minor">
+            <a:schemeClr val="lt1"/>
+          </a:fontRef>
+        </p:style>
+        <p:txBody>
+          <a:bodyPr rtlCol="0" anchor="ctr"/>
+          <a:lstStyle/>
+          <a:p>
+            <a:pPr algn="ctr"/>
+            <a:endParaRPr lang="es-CO">
+              <a:ln>
+                <a:solidFill>
+                  <a:schemeClr val="bg1"/>
+                </a:solidFill>
+              </a:ln>
+            </a:endParaRPr>
+          </a:p>
+        </p:txBody>
+      </p:sp>
+      <p:sp>
+        <p:nvSpPr>
+          <p:cNvPr id="14" name="Rectángulo 13">
+            <a:extLst>
+              <a:ext uri="{FF2B5EF4-FFF2-40B4-BE49-F238E27FC236}">
+                <a16:creationId xmlns:a16="http://schemas.microsoft.com/office/drawing/2014/main" id="{3EF9BF76-A2F7-D840-F504-56E9F0919D13}"/>
+              </a:ext>
+            </a:extLst>
+          </p:cNvPr>
+          <p:cNvSpPr/>
+          <p:nvPr/>
+        </p:nvSpPr>
+        <p:spPr>
+          <a:xfrm>
+            <a:off x="9055694" y="2837203"/>
+            <a:ext cx="2025353" cy="253097"/>
+          </a:xfrm>
+          <a:prstGeom prst="rect">
+            <a:avLst/>
+          </a:prstGeom>
+          <a:ln>
+            <a:noFill/>
+          </a:ln>
+        </p:spPr>
+        <p:style>
+          <a:lnRef idx="2">
+            <a:schemeClr val="accent1">
+              <a:shade val="50000"/>
+            </a:schemeClr>
+          </a:lnRef>
+          <a:fillRef idx="1001">
+            <a:schemeClr val="lt2"/>
+          </a:fillRef>
+          <a:effectRef idx="0">
+            <a:schemeClr val="accent1"/>
+          </a:effectRef>
+          <a:fontRef idx="minor">
+            <a:schemeClr val="lt1"/>
+          </a:fontRef>
+        </p:style>
+        <p:txBody>
+          <a:bodyPr rtlCol="0" anchor="ctr"/>
+          <a:lstStyle/>
+          <a:p>
+            <a:pPr algn="ctr"/>
+            <a:r>
+              <a:rPr lang="es-MX" sz="1400" dirty="0">
+                <a:solidFill>
+                  <a:schemeClr val="tx1"/>
+                </a:solidFill>
+                <a:latin typeface="Balmoon" pitchFamily="2" charset="0"/>
+              </a:rPr>
+              <a:t>Editar información</a:t>
+            </a:r>
+            <a:endParaRPr lang="es-CO" sz="1400" dirty="0">
+              <a:solidFill>
+                <a:schemeClr val="tx1"/>
+              </a:solidFill>
+              <a:latin typeface="Balmoon" pitchFamily="2" charset="0"/>
+            </a:endParaRPr>
+          </a:p>
+        </p:txBody>
+      </p:sp>
+      <p:sp>
+        <p:nvSpPr>
+          <p:cNvPr id="15" name="Rectángulo 14">
+            <a:extLst>
+              <a:ext uri="{FF2B5EF4-FFF2-40B4-BE49-F238E27FC236}">
+                <a16:creationId xmlns:a16="http://schemas.microsoft.com/office/drawing/2014/main" id="{84C0ECCD-4D04-7530-84A0-304D9375D032}"/>
+              </a:ext>
+            </a:extLst>
+          </p:cNvPr>
+          <p:cNvSpPr/>
+          <p:nvPr/>
+        </p:nvSpPr>
+        <p:spPr>
+          <a:xfrm>
+            <a:off x="1837346" y="3825241"/>
+            <a:ext cx="9896030" cy="1247686"/>
+          </a:xfrm>
+          <a:prstGeom prst="rect">
+            <a:avLst/>
+          </a:prstGeom>
+          <a:solidFill>
+            <a:schemeClr val="bg1">
+              <a:lumMod val="95000"/>
+            </a:schemeClr>
+          </a:solidFill>
+          <a:ln>
+            <a:noFill/>
+          </a:ln>
+        </p:spPr>
+        <p:style>
+          <a:lnRef idx="2">
+            <a:schemeClr val="accent1">
+              <a:shade val="50000"/>
+            </a:schemeClr>
+          </a:lnRef>
+          <a:fillRef idx="1002">
+            <a:schemeClr val="lt2"/>
+          </a:fillRef>
+          <a:effectRef idx="0">
+            <a:schemeClr val="accent1"/>
+          </a:effectRef>
+          <a:fontRef idx="minor">
+            <a:schemeClr val="lt1"/>
+          </a:fontRef>
+        </p:style>
+        <p:txBody>
+          <a:bodyPr rtlCol="0" anchor="ctr"/>
+          <a:lstStyle/>
+          <a:p>
+            <a:pPr algn="ctr"/>
+            <a:endParaRPr lang="es-CO"/>
+          </a:p>
+        </p:txBody>
+      </p:sp>
+      <p:sp>
+        <p:nvSpPr>
+          <p:cNvPr id="16" name="Rectángulo 15">
+            <a:extLst>
+              <a:ext uri="{FF2B5EF4-FFF2-40B4-BE49-F238E27FC236}">
+                <a16:creationId xmlns:a16="http://schemas.microsoft.com/office/drawing/2014/main" id="{6F1AF9B2-CB6B-087B-BE37-A4E89A7E27DA}"/>
+              </a:ext>
+            </a:extLst>
+          </p:cNvPr>
+          <p:cNvSpPr/>
+          <p:nvPr/>
+        </p:nvSpPr>
+        <p:spPr>
+          <a:xfrm>
+            <a:off x="1837346" y="5038718"/>
+            <a:ext cx="9896030" cy="1247686"/>
+          </a:xfrm>
+          <a:prstGeom prst="rect">
+            <a:avLst/>
+          </a:prstGeom>
+          <a:solidFill>
+            <a:schemeClr val="bg1">
+              <a:lumMod val="95000"/>
+            </a:schemeClr>
+          </a:solidFill>
+          <a:ln>
+            <a:noFill/>
+          </a:ln>
+        </p:spPr>
+        <p:style>
+          <a:lnRef idx="2">
+            <a:schemeClr val="accent1">
+              <a:shade val="50000"/>
+            </a:schemeClr>
+          </a:lnRef>
+          <a:fillRef idx="1002">
+            <a:schemeClr val="lt2"/>
+          </a:fillRef>
+          <a:effectRef idx="0">
+            <a:schemeClr val="accent1"/>
+          </a:effectRef>
+          <a:fontRef idx="minor">
+            <a:schemeClr val="lt1"/>
+          </a:fontRef>
+        </p:style>
+        <p:txBody>
+          <a:bodyPr rtlCol="0" anchor="ctr"/>
+          <a:lstStyle/>
+          <a:p>
+            <a:pPr algn="ctr"/>
+            <a:endParaRPr lang="es-CO"/>
+          </a:p>
+        </p:txBody>
+      </p:sp>
+      <p:sp>
+        <p:nvSpPr>
+          <p:cNvPr id="17" name="CuadroTexto 16">
+            <a:extLst>
+              <a:ext uri="{FF2B5EF4-FFF2-40B4-BE49-F238E27FC236}">
+                <a16:creationId xmlns:a16="http://schemas.microsoft.com/office/drawing/2014/main" id="{44C8D3AC-6633-B67B-CC7C-BE0BCE4FB551}"/>
+              </a:ext>
+            </a:extLst>
+          </p:cNvPr>
+          <p:cNvSpPr txBox="1"/>
+          <p:nvPr/>
+        </p:nvSpPr>
+        <p:spPr>
+          <a:xfrm>
+            <a:off x="2123629" y="4054114"/>
+            <a:ext cx="5392396" cy="307777"/>
+          </a:xfrm>
+          <a:prstGeom prst="rect">
+            <a:avLst/>
+          </a:prstGeom>
+          <a:noFill/>
+        </p:spPr>
+        <p:txBody>
+          <a:bodyPr wrap="square" rtlCol="0">
+            <a:spAutoFit/>
+          </a:bodyPr>
+          <a:lstStyle/>
+          <a:p>
+            <a:r>
+              <a:rPr lang="es-MX" sz="1400" dirty="0">
+                <a:latin typeface="Balmoon" pitchFamily="2" charset="0"/>
+              </a:rPr>
+              <a:t>Configuración general de la cuenta</a:t>
+            </a:r>
+            <a:endParaRPr lang="es-CO" sz="1400" dirty="0">
+              <a:latin typeface="Balmoon" pitchFamily="2" charset="0"/>
+            </a:endParaRPr>
+          </a:p>
+        </p:txBody>
+      </p:sp>
+      <p:sp>
+        <p:nvSpPr>
+          <p:cNvPr id="19" name="CuadroTexto 18">
+            <a:extLst>
+              <a:ext uri="{FF2B5EF4-FFF2-40B4-BE49-F238E27FC236}">
+                <a16:creationId xmlns:a16="http://schemas.microsoft.com/office/drawing/2014/main" id="{62B82600-2766-53B5-B738-50C680BC2D9B}"/>
+              </a:ext>
+            </a:extLst>
+          </p:cNvPr>
+          <p:cNvSpPr txBox="1"/>
+          <p:nvPr/>
+        </p:nvSpPr>
+        <p:spPr>
+          <a:xfrm>
+            <a:off x="2415596" y="4373679"/>
+            <a:ext cx="6101696" cy="276999"/>
+          </a:xfrm>
+          <a:prstGeom prst="rect">
+            <a:avLst/>
+          </a:prstGeom>
+          <a:noFill/>
+        </p:spPr>
+        <p:txBody>
+          <a:bodyPr wrap="square">
+            <a:spAutoFit/>
+          </a:bodyPr>
+          <a:lstStyle/>
+          <a:p>
+            <a:r>
+              <a:rPr lang="es-MX" sz="1200" dirty="0">
+                <a:latin typeface="Balmoon" pitchFamily="2" charset="0"/>
+              </a:rPr>
+              <a:t>Email</a:t>
+            </a:r>
+            <a:endParaRPr lang="es-CO" sz="1200" dirty="0">
+              <a:latin typeface="Balmoon" pitchFamily="2" charset="0"/>
+            </a:endParaRPr>
+          </a:p>
+        </p:txBody>
+      </p:sp>
+      <p:pic>
+        <p:nvPicPr>
+          <p:cNvPr id="20" name="Imagen 19">
+            <a:extLst>
+              <a:ext uri="{FF2B5EF4-FFF2-40B4-BE49-F238E27FC236}">
+                <a16:creationId xmlns:a16="http://schemas.microsoft.com/office/drawing/2014/main" id="{EC221F42-DE31-0740-86B0-3AFCF098E8E7}"/>
+              </a:ext>
+            </a:extLst>
+          </p:cNvPr>
+          <p:cNvPicPr>
+            <a:picLocks noChangeAspect="1"/>
+          </p:cNvPicPr>
+          <p:nvPr/>
+        </p:nvPicPr>
+        <p:blipFill>
+          <a:blip r:embed="rId4">
+            <a:extLst>
+              <a:ext uri="{28A0092B-C50C-407E-A947-70E740481C1C}">
+                <a14:useLocalDpi xmlns:a14="http://schemas.microsoft.com/office/drawing/2010/main" val="0"/>
+              </a:ext>
+            </a:extLst>
+          </a:blip>
+          <a:stretch>
+            <a:fillRect/>
+          </a:stretch>
+        </p:blipFill>
+        <p:spPr>
+          <a:xfrm>
+            <a:off x="2187726" y="4411644"/>
+            <a:ext cx="206709" cy="206709"/>
+          </a:xfrm>
+          <a:prstGeom prst="rect">
+            <a:avLst/>
+          </a:prstGeom>
+          <a:effectLst>
+            <a:outerShdw blurRad="50800" dist="38100" dir="18900000" algn="bl" rotWithShape="0">
+              <a:prstClr val="black">
+                <a:alpha val="40000"/>
+              </a:prstClr>
+            </a:outerShdw>
+          </a:effectLst>
+        </p:spPr>
+      </p:pic>
+      <p:sp>
+        <p:nvSpPr>
+          <p:cNvPr id="21" name="CuadroTexto 20">
+            <a:extLst>
+              <a:ext uri="{FF2B5EF4-FFF2-40B4-BE49-F238E27FC236}">
+                <a16:creationId xmlns:a16="http://schemas.microsoft.com/office/drawing/2014/main" id="{440F1693-F480-85BD-05C4-3CA8EB8DD041}"/>
+              </a:ext>
+            </a:extLst>
+          </p:cNvPr>
+          <p:cNvSpPr txBox="1"/>
+          <p:nvPr/>
+        </p:nvSpPr>
+        <p:spPr>
+          <a:xfrm>
+            <a:off x="2187726" y="4650679"/>
+            <a:ext cx="5870958" cy="276999"/>
+          </a:xfrm>
+          <a:prstGeom prst="rect">
+            <a:avLst/>
+          </a:prstGeom>
+          <a:noFill/>
+        </p:spPr>
+        <p:txBody>
+          <a:bodyPr wrap="square" rtlCol="0">
+            <a:spAutoFit/>
+          </a:bodyPr>
+          <a:lstStyle/>
+          <a:p>
+            <a:r>
+              <a:rPr lang="es-MX" sz="1200" dirty="0">
+                <a:latin typeface="Balmoon" pitchFamily="2" charset="0"/>
+              </a:rPr>
+              <a:t>******************@gmail.com</a:t>
+            </a:r>
+            <a:endParaRPr lang="es-CO" sz="1200" dirty="0">
+              <a:latin typeface="Balmoon" pitchFamily="2" charset="0"/>
+            </a:endParaRPr>
+          </a:p>
+        </p:txBody>
+      </p:sp>
+      <p:sp>
+        <p:nvSpPr>
+          <p:cNvPr id="22" name="Rectángulo 21">
+            <a:extLst>
+              <a:ext uri="{FF2B5EF4-FFF2-40B4-BE49-F238E27FC236}">
+                <a16:creationId xmlns:a16="http://schemas.microsoft.com/office/drawing/2014/main" id="{9CE4C24E-092D-B812-D400-96A1F5B80672}"/>
+              </a:ext>
+            </a:extLst>
+          </p:cNvPr>
+          <p:cNvSpPr/>
+          <p:nvPr/>
+        </p:nvSpPr>
+        <p:spPr>
+          <a:xfrm>
+            <a:off x="9055694" y="4650678"/>
+            <a:ext cx="1643641" cy="203333"/>
+          </a:xfrm>
+          <a:prstGeom prst="rect">
+            <a:avLst/>
+          </a:prstGeom>
+          <a:ln>
+            <a:noFill/>
+          </a:ln>
+        </p:spPr>
+        <p:style>
+          <a:lnRef idx="2">
+            <a:schemeClr val="accent1">
+              <a:shade val="50000"/>
+            </a:schemeClr>
+          </a:lnRef>
+          <a:fillRef idx="1001">
+            <a:schemeClr val="lt2"/>
+          </a:fillRef>
+          <a:effectRef idx="0">
+            <a:schemeClr val="accent1"/>
+          </a:effectRef>
+          <a:fontRef idx="minor">
+            <a:schemeClr val="lt1"/>
+          </a:fontRef>
+        </p:style>
+        <p:txBody>
+          <a:bodyPr rtlCol="0" anchor="ctr"/>
+          <a:lstStyle/>
+          <a:p>
+            <a:pPr algn="ctr"/>
+            <a:r>
+              <a:rPr lang="es-MX" sz="1600" dirty="0">
+                <a:solidFill>
+                  <a:schemeClr val="tx1"/>
+                </a:solidFill>
+                <a:latin typeface="Balmoon" pitchFamily="2" charset="0"/>
+              </a:rPr>
+              <a:t>Editar email</a:t>
+            </a:r>
+            <a:endParaRPr lang="es-CO" sz="1600" dirty="0">
+              <a:solidFill>
+                <a:schemeClr val="tx1"/>
+              </a:solidFill>
+              <a:latin typeface="Balmoon" pitchFamily="2" charset="0"/>
+            </a:endParaRPr>
+          </a:p>
+        </p:txBody>
+      </p:sp>
+      <p:sp>
+        <p:nvSpPr>
+          <p:cNvPr id="24" name="CuadroTexto 23">
+            <a:extLst>
+              <a:ext uri="{FF2B5EF4-FFF2-40B4-BE49-F238E27FC236}">
+                <a16:creationId xmlns:a16="http://schemas.microsoft.com/office/drawing/2014/main" id="{B5AB6881-9A6C-D22A-CA81-834EC475AA4E}"/>
+              </a:ext>
+            </a:extLst>
+          </p:cNvPr>
+          <p:cNvSpPr txBox="1"/>
+          <p:nvPr/>
+        </p:nvSpPr>
+        <p:spPr>
+          <a:xfrm>
+            <a:off x="2415596" y="5264167"/>
+            <a:ext cx="6101696" cy="276999"/>
+          </a:xfrm>
+          <a:prstGeom prst="rect">
+            <a:avLst/>
+          </a:prstGeom>
+          <a:noFill/>
+        </p:spPr>
+        <p:txBody>
+          <a:bodyPr wrap="square">
+            <a:spAutoFit/>
+          </a:bodyPr>
+          <a:lstStyle/>
+          <a:p>
+            <a:r>
+              <a:rPr lang="es-MX" sz="1200" dirty="0">
+                <a:latin typeface="Balmoon" pitchFamily="2" charset="0"/>
+              </a:rPr>
+              <a:t>Contraseña</a:t>
+            </a:r>
+            <a:endParaRPr lang="es-CO" sz="1200" dirty="0">
+              <a:latin typeface="Balmoon" pitchFamily="2" charset="0"/>
+            </a:endParaRPr>
+          </a:p>
+        </p:txBody>
+      </p:sp>
+      <p:pic>
+        <p:nvPicPr>
+          <p:cNvPr id="25" name="Imagen 24">
+            <a:extLst>
+              <a:ext uri="{FF2B5EF4-FFF2-40B4-BE49-F238E27FC236}">
+                <a16:creationId xmlns:a16="http://schemas.microsoft.com/office/drawing/2014/main" id="{2D3EEAF1-953E-0327-E0C1-0EC0487E6CF6}"/>
+              </a:ext>
+            </a:extLst>
+          </p:cNvPr>
+          <p:cNvPicPr>
+            <a:picLocks noChangeAspect="1"/>
+          </p:cNvPicPr>
+          <p:nvPr/>
+        </p:nvPicPr>
+        <p:blipFill>
+          <a:blip r:embed="rId5">
+            <a:extLst>
+              <a:ext uri="{28A0092B-C50C-407E-A947-70E740481C1C}">
+                <a14:useLocalDpi xmlns:a14="http://schemas.microsoft.com/office/drawing/2010/main" val="0"/>
+              </a:ext>
+            </a:extLst>
+          </a:blip>
+          <a:stretch>
+            <a:fillRect/>
+          </a:stretch>
+        </p:blipFill>
+        <p:spPr>
+          <a:xfrm>
+            <a:off x="2221907" y="5301800"/>
+            <a:ext cx="242969" cy="242969"/>
+          </a:xfrm>
+          <a:prstGeom prst="rect">
+            <a:avLst/>
+          </a:prstGeom>
+          <a:effectLst>
+            <a:outerShdw blurRad="50800" dist="38100" dir="18900000" algn="bl" rotWithShape="0">
+              <a:prstClr val="black">
+                <a:alpha val="40000"/>
+              </a:prstClr>
+            </a:outerShdw>
+          </a:effectLst>
+        </p:spPr>
+      </p:pic>
+      <p:sp>
+        <p:nvSpPr>
+          <p:cNvPr id="26" name="CuadroTexto 25">
+            <a:extLst>
+              <a:ext uri="{FF2B5EF4-FFF2-40B4-BE49-F238E27FC236}">
+                <a16:creationId xmlns:a16="http://schemas.microsoft.com/office/drawing/2014/main" id="{A89F1E78-24DE-3B5B-CC3C-25C18CE766D7}"/>
+              </a:ext>
+            </a:extLst>
+          </p:cNvPr>
+          <p:cNvSpPr txBox="1"/>
+          <p:nvPr/>
+        </p:nvSpPr>
+        <p:spPr>
+          <a:xfrm>
+            <a:off x="2410939" y="5483112"/>
+            <a:ext cx="1709160" cy="400110"/>
+          </a:xfrm>
+          <a:prstGeom prst="rect">
+            <a:avLst/>
+          </a:prstGeom>
+          <a:noFill/>
+        </p:spPr>
+        <p:txBody>
+          <a:bodyPr wrap="square" rtlCol="0">
+            <a:spAutoFit/>
+          </a:bodyPr>
+          <a:lstStyle/>
+          <a:p>
+            <a:r>
+              <a:rPr lang="es-MX" sz="2000" dirty="0">
+                <a:latin typeface="Balmoon" pitchFamily="2" charset="0"/>
+              </a:rPr>
+              <a:t>*************</a:t>
+            </a:r>
+            <a:endParaRPr lang="es-CO" sz="2000" dirty="0">
+              <a:latin typeface="Balmoon" pitchFamily="2" charset="0"/>
+            </a:endParaRPr>
+          </a:p>
+        </p:txBody>
+      </p:sp>
+      <p:sp>
+        <p:nvSpPr>
+          <p:cNvPr id="28" name="Rectángulo 27">
+            <a:extLst>
+              <a:ext uri="{FF2B5EF4-FFF2-40B4-BE49-F238E27FC236}">
+                <a16:creationId xmlns:a16="http://schemas.microsoft.com/office/drawing/2014/main" id="{88CF3C07-FE20-9EA7-DB29-CDFB30E6B2C2}"/>
+              </a:ext>
+            </a:extLst>
+          </p:cNvPr>
+          <p:cNvSpPr/>
+          <p:nvPr/>
+        </p:nvSpPr>
+        <p:spPr>
+          <a:xfrm>
+            <a:off x="9095542" y="5359300"/>
+            <a:ext cx="1643641" cy="203333"/>
+          </a:xfrm>
+          <a:prstGeom prst="rect">
+            <a:avLst/>
+          </a:prstGeom>
+          <a:ln>
+            <a:noFill/>
+          </a:ln>
+        </p:spPr>
+        <p:style>
+          <a:lnRef idx="2">
+            <a:schemeClr val="accent1">
+              <a:shade val="50000"/>
+            </a:schemeClr>
+          </a:lnRef>
+          <a:fillRef idx="1001">
+            <a:schemeClr val="lt2"/>
+          </a:fillRef>
+          <a:effectRef idx="0">
+            <a:schemeClr val="accent1"/>
+          </a:effectRef>
+          <a:fontRef idx="minor">
+            <a:schemeClr val="lt1"/>
+          </a:fontRef>
+        </p:style>
+        <p:txBody>
+          <a:bodyPr rtlCol="0" anchor="ctr"/>
+          <a:lstStyle/>
+          <a:p>
+            <a:pPr algn="ctr"/>
+            <a:r>
+              <a:rPr lang="es-MX" sz="1600" dirty="0">
+                <a:solidFill>
+                  <a:schemeClr val="tx1"/>
+                </a:solidFill>
+                <a:latin typeface="Balmoon" pitchFamily="2" charset="0"/>
+              </a:rPr>
+              <a:t>Editar contraseña</a:t>
+            </a:r>
+            <a:endParaRPr lang="es-CO" sz="1600" dirty="0">
+              <a:solidFill>
+                <a:schemeClr val="tx1"/>
+              </a:solidFill>
+              <a:latin typeface="Balmoon" pitchFamily="2" charset="0"/>
+            </a:endParaRPr>
+          </a:p>
+        </p:txBody>
+      </p:sp>
+      <p:sp>
+        <p:nvSpPr>
+          <p:cNvPr id="31" name="CuadroTexto 30">
+            <a:extLst>
+              <a:ext uri="{FF2B5EF4-FFF2-40B4-BE49-F238E27FC236}">
+                <a16:creationId xmlns:a16="http://schemas.microsoft.com/office/drawing/2014/main" id="{0D5B7810-316A-6775-7D52-05555E5D4BA4}"/>
+              </a:ext>
+            </a:extLst>
+          </p:cNvPr>
+          <p:cNvSpPr txBox="1"/>
+          <p:nvPr/>
+        </p:nvSpPr>
+        <p:spPr>
+          <a:xfrm>
+            <a:off x="465746" y="769121"/>
+            <a:ext cx="905854" cy="861774"/>
+          </a:xfrm>
+          <a:prstGeom prst="rect">
+            <a:avLst/>
+          </a:prstGeom>
+          <a:noFill/>
+        </p:spPr>
+        <p:txBody>
+          <a:bodyPr wrap="square" rtlCol="0">
+            <a:spAutoFit/>
+          </a:bodyPr>
+          <a:lstStyle/>
+          <a:p>
+            <a:r>
+              <a:rPr lang="es-MX" sz="1600" dirty="0">
+                <a:solidFill>
+                  <a:schemeClr val="bg1"/>
+                </a:solidFill>
+                <a:latin typeface="Balmoon" pitchFamily="2" charset="0"/>
+                <a:hlinkClick r:id="rId6" action="ppaction://hlinksldjump">
+                  <a:extLst>
+                    <a:ext uri="{A12FA001-AC4F-418D-AE19-62706E023703}">
+                      <ahyp:hlinkClr xmlns:ahyp="http://schemas.microsoft.com/office/drawing/2018/hyperlinkcolor" val="tx"/>
+                    </a:ext>
+                  </a:extLst>
+                </a:hlinkClick>
+              </a:rPr>
+              <a:t>Panel</a:t>
+            </a:r>
+            <a:r>
+              <a:rPr lang="es-MX" sz="1600" dirty="0">
+                <a:solidFill>
+                  <a:schemeClr val="bg1"/>
+                </a:solidFill>
+                <a:latin typeface="Balmoon" pitchFamily="2" charset="0"/>
+              </a:rPr>
+              <a:t> </a:t>
+            </a:r>
+          </a:p>
+          <a:p>
+            <a:endParaRPr lang="es-MX" sz="1600" dirty="0">
+              <a:solidFill>
+                <a:schemeClr val="bg1"/>
+              </a:solidFill>
+              <a:latin typeface="Balmoon" pitchFamily="2" charset="0"/>
+            </a:endParaRPr>
+          </a:p>
+          <a:p>
+            <a:r>
+              <a:rPr lang="es-CO" sz="1600" dirty="0">
+                <a:solidFill>
+                  <a:schemeClr val="bg1"/>
+                </a:solidFill>
+                <a:latin typeface="Balmoon" pitchFamily="2" charset="0"/>
+                <a:hlinkClick r:id="rId2" action="ppaction://hlinksldjump">
+                  <a:extLst>
+                    <a:ext uri="{A12FA001-AC4F-418D-AE19-62706E023703}">
+                      <ahyp:hlinkClr xmlns:ahyp="http://schemas.microsoft.com/office/drawing/2018/hyperlinkcolor" val="tx"/>
+                    </a:ext>
+                  </a:extLst>
+                </a:hlinkClick>
+              </a:rPr>
+              <a:t>cuenta</a:t>
+            </a:r>
+            <a:endParaRPr lang="es-MX" sz="1600" dirty="0">
+              <a:solidFill>
+                <a:schemeClr val="bg1"/>
+              </a:solidFill>
+              <a:latin typeface="Balmoon" pitchFamily="2" charset="0"/>
+            </a:endParaRPr>
+          </a:p>
+        </p:txBody>
+      </p:sp>
+      <p:pic>
+        <p:nvPicPr>
+          <p:cNvPr id="33" name="Imagen 32">
+            <a:extLst>
+              <a:ext uri="{FF2B5EF4-FFF2-40B4-BE49-F238E27FC236}">
+                <a16:creationId xmlns:a16="http://schemas.microsoft.com/office/drawing/2014/main" id="{9C99AEA2-3E51-3D5A-5915-02697F5F120E}"/>
+              </a:ext>
+            </a:extLst>
+          </p:cNvPr>
+          <p:cNvPicPr>
+            <a:picLocks noChangeAspect="1"/>
+          </p:cNvPicPr>
+          <p:nvPr/>
+        </p:nvPicPr>
+        <p:blipFill>
+          <a:blip r:embed="rId7">
+            <a:extLst>
+              <a:ext uri="{28A0092B-C50C-407E-A947-70E740481C1C}">
+                <a14:useLocalDpi xmlns:a14="http://schemas.microsoft.com/office/drawing/2010/main" val="0"/>
+              </a:ext>
+            </a:extLst>
+          </a:blip>
+          <a:stretch>
+            <a:fillRect/>
+          </a:stretch>
+        </p:blipFill>
+        <p:spPr>
+          <a:xfrm>
+            <a:off x="2221908" y="1485554"/>
+            <a:ext cx="1085315" cy="1085315"/>
+          </a:xfrm>
+          <a:prstGeom prst="rect">
+            <a:avLst/>
+          </a:prstGeom>
+        </p:spPr>
+      </p:pic>
+    </p:spTree>
+    <p:extLst>
+      <p:ext uri="{BB962C8B-B14F-4D97-AF65-F5344CB8AC3E}">
+        <p14:creationId xmlns:p14="http://schemas.microsoft.com/office/powerpoint/2010/main" val="2014762299"/>
       </p:ext>
     </p:extLst>
   </p:cSld>
